--- a/presentation/SoftWidget Alexa Integration.pptx
+++ b/presentation/SoftWidget Alexa Integration.pptx
@@ -218,7 +218,7 @@
           <a:p>
             <a:fld id="{BA4C658A-9259-494C-8B32-50A4BB08993C}" type="datetimeFigureOut">
               <a:rPr lang="en-US" smtClean="0"/>
-              <a:t>3/28/2019</a:t>
+              <a:t>3/29/2019</a:t>
             </a:fld>
             <a:endParaRPr lang="en-US" dirty="0"/>
           </a:p>
@@ -1328,7 +1328,7 @@
           <a:p>
             <a:fld id="{49807E59-F5A9-4749-80A5-5F7086D46A3E}" type="datetime1">
               <a:rPr lang="en-US" smtClean="0"/>
-              <a:t>3/28/2019</a:t>
+              <a:t>3/29/2019</a:t>
             </a:fld>
             <a:endParaRPr lang="en-US" dirty="0"/>
           </a:p>
@@ -1493,7 +1493,7 @@
           <a:p>
             <a:fld id="{94A81777-A391-7241-8B8F-40A1566C379F}" type="datetime1">
               <a:rPr lang="en-US" smtClean="0"/>
-              <a:t>3/28/2019</a:t>
+              <a:t>3/29/2019</a:t>
             </a:fld>
             <a:endParaRPr lang="en-US" dirty="0"/>
           </a:p>
@@ -1668,7 +1668,7 @@
           <a:p>
             <a:fld id="{8696A933-A5AD-1344-8CB9-8CAF8D2899CF}" type="datetime1">
               <a:rPr lang="en-US" smtClean="0"/>
-              <a:t>3/28/2019</a:t>
+              <a:t>3/29/2019</a:t>
             </a:fld>
             <a:endParaRPr lang="en-US" dirty="0"/>
           </a:p>
@@ -1833,7 +1833,7 @@
           <a:p>
             <a:fld id="{E3A36A15-5857-074F-8E38-5CDC0E8312C2}" type="datetime1">
               <a:rPr lang="en-US" smtClean="0"/>
-              <a:t>3/28/2019</a:t>
+              <a:t>3/29/2019</a:t>
             </a:fld>
             <a:endParaRPr lang="en-US" dirty="0"/>
           </a:p>
@@ -2072,7 +2072,7 @@
           <a:p>
             <a:fld id="{A7A55876-6138-054C-8224-0CDCE5B55DA0}" type="datetime1">
               <a:rPr lang="en-US" smtClean="0"/>
-              <a:t>3/28/2019</a:t>
+              <a:t>3/29/2019</a:t>
             </a:fld>
             <a:endParaRPr lang="en-US" dirty="0"/>
           </a:p>
@@ -2299,7 +2299,7 @@
           <a:p>
             <a:fld id="{FB449E81-0BBB-7442-B4B1-4A28DB88411A}" type="datetime1">
               <a:rPr lang="en-US" smtClean="0"/>
-              <a:t>3/28/2019</a:t>
+              <a:t>3/29/2019</a:t>
             </a:fld>
             <a:endParaRPr lang="en-US" dirty="0"/>
           </a:p>
@@ -2661,7 +2661,7 @@
           <a:p>
             <a:fld id="{A321150E-B5C1-7545-9574-22CD068AF1D7}" type="datetime1">
               <a:rPr lang="en-US" smtClean="0"/>
-              <a:t>3/28/2019</a:t>
+              <a:t>3/29/2019</a:t>
             </a:fld>
             <a:endParaRPr lang="en-US" dirty="0"/>
           </a:p>
@@ -2774,7 +2774,7 @@
           <a:p>
             <a:fld id="{7A40B353-37A5-4A4D-8DC4-D388322F939C}" type="datetime1">
               <a:rPr lang="en-US" smtClean="0"/>
-              <a:t>3/28/2019</a:t>
+              <a:t>3/29/2019</a:t>
             </a:fld>
             <a:endParaRPr lang="en-US" dirty="0"/>
           </a:p>
@@ -2864,7 +2864,7 @@
           <a:p>
             <a:fld id="{DAADEB05-CEEB-0643-928B-C19E86FC286B}" type="datetime1">
               <a:rPr lang="en-US" smtClean="0"/>
-              <a:t>3/28/2019</a:t>
+              <a:t>3/29/2019</a:t>
             </a:fld>
             <a:endParaRPr lang="en-US" dirty="0"/>
           </a:p>
@@ -3136,7 +3136,7 @@
           <a:p>
             <a:fld id="{21E5AD01-DE7E-F843-BC86-C9BA6587E358}" type="datetime1">
               <a:rPr lang="en-US" smtClean="0"/>
-              <a:t>3/28/2019</a:t>
+              <a:t>3/29/2019</a:t>
             </a:fld>
             <a:endParaRPr lang="en-US" dirty="0"/>
           </a:p>
@@ -3387,7 +3387,7 @@
           <a:p>
             <a:fld id="{72527A28-3F3A-D44C-91D4-13DAAA91FD9F}" type="datetime1">
               <a:rPr lang="en-US" smtClean="0"/>
-              <a:t>3/28/2019</a:t>
+              <a:t>3/29/2019</a:t>
             </a:fld>
             <a:endParaRPr lang="en-US" dirty="0"/>
           </a:p>
@@ -3595,7 +3595,7 @@
           <a:p>
             <a:fld id="{B19F5900-E5C0-1944-82C2-509623B1C7DB}" type="datetime1">
               <a:rPr lang="en-US" smtClean="0"/>
-              <a:t>3/28/2019</a:t>
+              <a:t>3/29/2019</a:t>
             </a:fld>
             <a:endParaRPr lang="en-US" dirty="0"/>
           </a:p>
@@ -4651,7 +4651,7 @@
         <p:spPr>
           <a:xfrm>
             <a:off x="681807" y="1440727"/>
-            <a:ext cx="7669903" cy="4585871"/>
+            <a:ext cx="7669903" cy="5037276"/>
           </a:xfrm>
           <a:prstGeom prst="rect">
             <a:avLst/>
@@ -4680,14 +4680,24 @@
                 <a:ea typeface="Roboto Light" charset="0"/>
                 <a:cs typeface="Roboto Light" charset="0"/>
               </a:rPr>
-              <a:t>The Idea - V</a:t>
-            </a:r>
-            <a:r>
-              <a:rPr lang="en-US" dirty="0"/>
+              <a:t>The Idea - </a:t>
+            </a:r>
+            <a:r>
+              <a:rPr lang="en-US" dirty="0">
+                <a:latin typeface="Roboto Light" panose="02000000000000000000"/>
+                <a:ea typeface="Roboto Light" charset="0"/>
+                <a:cs typeface="Roboto Light" charset="0"/>
+              </a:rPr>
+              <a:t>V</a:t>
+            </a:r>
+            <a:r>
+              <a:rPr lang="en-US" dirty="0">
+                <a:latin typeface="Roboto Light" panose="02000000000000000000"/>
+              </a:rPr>
               <a:t>oice Assistant Integration</a:t>
             </a:r>
             <a:endParaRPr lang="en-US" dirty="0">
-              <a:latin typeface="Roboto Light" charset="0"/>
+              <a:latin typeface="Roboto Light" panose="02000000000000000000"/>
               <a:ea typeface="Roboto Light" charset="0"/>
               <a:cs typeface="Roboto Light" charset="0"/>
             </a:endParaRPr>
@@ -4770,6 +4780,26 @@
                 <a:cs typeface="Roboto Light" charset="0"/>
               </a:rPr>
               <a:t>Development Practices	</a:t>
+            </a:r>
+          </a:p>
+          <a:p>
+            <a:pPr marL="687388" lvl="1" indent="-230188">
+              <a:spcBef>
+                <a:spcPts val="800"/>
+              </a:spcBef>
+              <a:spcAft>
+                <a:spcPts val="800"/>
+              </a:spcAft>
+              <a:buFont typeface="Arial" charset="0"/>
+              <a:buChar char="•"/>
+            </a:pPr>
+            <a:r>
+              <a:rPr lang="en-US" sz="1600" dirty="0">
+                <a:latin typeface="Roboto Light" charset="0"/>
+                <a:ea typeface="Roboto Light" charset="0"/>
+                <a:cs typeface="Roboto Light" charset="0"/>
+              </a:rPr>
+              <a:t>Tech Stack</a:t>
             </a:r>
           </a:p>
           <a:p>
@@ -5101,7 +5131,7 @@
           <a:p>
             <a:r>
               <a:rPr lang="en-US" sz="1000" dirty="0"/>
-              <a:t>5</a:t>
+              <a:t>3</a:t>
             </a:r>
           </a:p>
         </p:txBody>
@@ -5120,7 +5150,7 @@
         </p:nvSpPr>
         <p:spPr>
           <a:xfrm>
-            <a:off x="938" y="907146"/>
+            <a:off x="938" y="1066950"/>
             <a:ext cx="9144000" cy="102870"/>
           </a:xfrm>
           <a:prstGeom prst="rect">
@@ -5175,7 +5205,7 @@
         <p:spPr>
           <a:xfrm>
             <a:off x="502916" y="1292889"/>
-            <a:ext cx="8034411" cy="2846933"/>
+            <a:ext cx="8034411" cy="3400931"/>
           </a:xfrm>
           <a:prstGeom prst="rect">
             <a:avLst/>
@@ -5199,21 +5229,21 @@
               <a:buChar char="•"/>
             </a:pPr>
             <a:r>
-              <a:rPr lang="en-US" sz="1600" dirty="0"/>
+              <a:rPr lang="en-US" dirty="0"/>
               <a:t>Growing sales of Amazon Echo and Google Home suggest voice assistants aren’t a novelty item or fad. Currently, 32% of consumers own one of these devices, and that number is expected to grow, given 79% of smart-speaker sales occur in the fourth quarter of 2018, according to a survey by </a:t>
             </a:r>
             <a:r>
-              <a:rPr lang="en-US" sz="1600" dirty="0">
+              <a:rPr lang="en-US" dirty="0">
                 <a:hlinkClick r:id="rId4"/>
               </a:rPr>
               <a:t>Adobe Analytics</a:t>
             </a:r>
             <a:r>
-              <a:rPr lang="en-US" sz="1600" dirty="0"/>
+              <a:rPr lang="en-US" dirty="0"/>
               <a:t>.</a:t>
             </a:r>
             <a:r>
-              <a:rPr lang="en-US" sz="1600" dirty="0">
+              <a:rPr lang="en-US" dirty="0">
                 <a:ea typeface="Roboto Light" charset="0"/>
                 <a:cs typeface="Roboto Light" charset="0"/>
               </a:rPr>
@@ -5232,7 +5262,7 @@
               <a:buChar char="•"/>
             </a:pPr>
             <a:r>
-              <a:rPr lang="en-US" sz="1600" dirty="0"/>
+              <a:rPr lang="en-US" dirty="0"/>
               <a:t>50% of voice-controlled device owners have made a purchase with one in the past year.</a:t>
             </a:r>
           </a:p>
@@ -5248,7 +5278,7 @@
               <a:buChar char="•"/>
             </a:pPr>
             <a:r>
-              <a:rPr lang="en-US" sz="1600" dirty="0"/>
+              <a:rPr lang="en-US" dirty="0"/>
               <a:t>Voice searches are replacing traditional searches, And if you’re not optimizing for them, you’re going to miss out on a lot of Google traffic.</a:t>
             </a:r>
           </a:p>
@@ -5264,7 +5294,7 @@
               <a:buChar char="•"/>
             </a:pPr>
             <a:r>
-              <a:rPr lang="en-US" sz="1600" dirty="0"/>
+              <a:rPr lang="en-US" dirty="0"/>
               <a:t>Three years from now, 40% of consumers will shop with the help of these devices, spending 18% of their total shopping budgets in the process, Capgemini predicts.</a:t>
             </a:r>
           </a:p>
@@ -5286,7 +5316,7 @@
         </p:nvSpPr>
         <p:spPr>
           <a:xfrm>
-            <a:off x="165690" y="556411"/>
+            <a:off x="165690" y="654069"/>
             <a:ext cx="8263658" cy="263149"/>
           </a:xfrm>
           <a:prstGeom prst="rect">
@@ -5461,7 +5491,7 @@
           <a:p>
             <a:r>
               <a:rPr lang="en-US" sz="1000" dirty="0"/>
-              <a:t>5</a:t>
+              <a:t>4</a:t>
             </a:r>
           </a:p>
         </p:txBody>
@@ -5480,7 +5510,7 @@
         </p:nvSpPr>
         <p:spPr>
           <a:xfrm>
-            <a:off x="938" y="907146"/>
+            <a:off x="938" y="960414"/>
             <a:ext cx="9144000" cy="102870"/>
           </a:xfrm>
           <a:prstGeom prst="rect">
@@ -5536,7 +5566,7 @@
         </p:nvSpPr>
         <p:spPr>
           <a:xfrm>
-            <a:off x="165690" y="556411"/>
+            <a:off x="165690" y="600801"/>
             <a:ext cx="8263658" cy="263149"/>
           </a:xfrm>
           <a:prstGeom prst="rect">
@@ -5571,7 +5601,7 @@
               <a:rPr lang="en-US" sz="1400" dirty="0">
                 <a:latin typeface="Roboto Condensed Light" charset="0"/>
               </a:rPr>
-              <a:t>How You (And Amazon) Get People To Buy Things Via Alexa</a:t>
+              <a:t>Why Alexa - How You Get People To Buy Things Via Alexa</a:t>
             </a:r>
           </a:p>
         </p:txBody>
@@ -5629,6 +5659,107 @@
                 <a:latin typeface="Roboto Light" panose="02000000000000000000"/>
               </a:rPr>
               <a:t>Solution - Alexa</a:t>
+            </a:r>
+          </a:p>
+        </p:txBody>
+      </p:sp>
+      <p:sp>
+        <p:nvSpPr>
+          <p:cNvPr id="7" name="TextBox 6">
+            <a:extLst>
+              <a:ext uri="{FF2B5EF4-FFF2-40B4-BE49-F238E27FC236}">
+                <a16:creationId xmlns:a16="http://schemas.microsoft.com/office/drawing/2014/main" id="{0D520C0E-0EB4-485F-B32D-B41D81EE9F30}"/>
+              </a:ext>
+            </a:extLst>
+          </p:cNvPr>
+          <p:cNvSpPr txBox="1"/>
+          <p:nvPr/>
+        </p:nvSpPr>
+        <p:spPr>
+          <a:xfrm>
+            <a:off x="502916" y="1168597"/>
+            <a:ext cx="8034411" cy="5160387"/>
+          </a:xfrm>
+          <a:prstGeom prst="rect">
+            <a:avLst/>
+          </a:prstGeom>
+          <a:noFill/>
+        </p:spPr>
+        <p:txBody>
+          <a:bodyPr wrap="square" rtlCol="0">
+            <a:spAutoFit/>
+          </a:bodyPr>
+          <a:lstStyle/>
+          <a:p>
+            <a:pPr marL="171450" indent="-171450">
+              <a:spcBef>
+                <a:spcPts val="700"/>
+              </a:spcBef>
+              <a:spcAft>
+                <a:spcPts val="700"/>
+              </a:spcAft>
+              <a:buFont typeface="Arial" charset="0"/>
+              <a:buChar char="•"/>
+            </a:pPr>
+            <a:r>
+              <a:rPr lang="en-US" dirty="0"/>
+              <a:t>Amazon’s Echo smart devices are leaders in the smart speaker market. It also leads when it comes to the number of ways you can use it. At last count, Amazon said that Alexa comes with more than 40,000 skills. As an online retailer, Alexa can help you with many tasks throughout the day. This includes tracking sales, organizing tasks, getting industry news, and more. </a:t>
+            </a:r>
+          </a:p>
+          <a:p>
+            <a:pPr marL="171450" indent="-171450">
+              <a:spcBef>
+                <a:spcPts val="700"/>
+              </a:spcBef>
+              <a:spcAft>
+                <a:spcPts val="700"/>
+              </a:spcAft>
+              <a:buFont typeface="Arial" charset="0"/>
+              <a:buChar char="•"/>
+            </a:pPr>
+            <a:r>
+              <a:rPr lang="en-US" dirty="0"/>
+              <a:t>For Example, if you sell on Amazon marketplace(available via prime) than </a:t>
+            </a:r>
+            <a:r>
+              <a:rPr lang="en-US" dirty="0" err="1"/>
+              <a:t>alexa</a:t>
+            </a:r>
+            <a:r>
+              <a:rPr lang="en-US" dirty="0"/>
+              <a:t> will recommend your products. Amazon uses  Amazon’s Choice makes product recommendations based on availability, price, popularity, ratings, reviews, shipping speed, and other factors. Another example is Shopify - If you are using Shopify platform than you can use the </a:t>
+            </a:r>
+            <a:r>
+              <a:rPr lang="en-US" dirty="0">
+                <a:hlinkClick r:id="rId4">
+                  <a:extLst>
+                    <a:ext uri="{A12FA001-AC4F-418D-AE19-62706E023703}">
+                      <ahyp:hlinkClr xmlns:ahyp="http://schemas.microsoft.com/office/drawing/2018/hyperlinkcolor" val="tx"/>
+                    </a:ext>
+                  </a:extLst>
+                </a:hlinkClick>
+              </a:rPr>
+              <a:t>Shopify Alexa skill</a:t>
+            </a:r>
+            <a:r>
+              <a:rPr lang="en-US" dirty="0"/>
+              <a:t> to get important information about your store. </a:t>
+            </a:r>
+          </a:p>
+          <a:p>
+            <a:pPr marL="171450" indent="-171450">
+              <a:spcBef>
+                <a:spcPts val="700"/>
+              </a:spcBef>
+              <a:spcAft>
+                <a:spcPts val="700"/>
+              </a:spcAft>
+              <a:buFont typeface="Arial" charset="0"/>
+              <a:buChar char="•"/>
+            </a:pPr>
+            <a:r>
+              <a:rPr lang="en-US" b="1" dirty="0"/>
+              <a:t>Custom Skill – Best thing Alexa skill offer retailers the opportunity to open new selling channel by creating custom skill. Cybergroup have good experience working with companies to create skills  for business purposes, to become more efficient, and even increase sales. Cybergroup is going to use the innovation lab to cerate quick POC to show how you can create custom skill to place your order along with couple of other features.</a:t>
             </a:r>
           </a:p>
         </p:txBody>
@@ -5915,7 +6046,7 @@
         <p:spPr>
           <a:xfrm>
             <a:off x="502916" y="1355029"/>
-            <a:ext cx="8034411" cy="1436291"/>
+            <a:ext cx="8034411" cy="1836400"/>
           </a:xfrm>
           <a:prstGeom prst="rect">
             <a:avLst/>
@@ -5939,7 +6070,7 @@
               <a:buChar char="•"/>
             </a:pPr>
             <a:r>
-              <a:rPr lang="en-US" sz="1600" dirty="0"/>
+              <a:rPr lang="en-US" dirty="0"/>
               <a:t>Our team at Innovation Lab is constantly working on exploring and learning new techs/products.</a:t>
             </a:r>
           </a:p>
@@ -5955,7 +6086,7 @@
               <a:buChar char="•"/>
             </a:pPr>
             <a:r>
-              <a:rPr lang="en-US" sz="1600" dirty="0"/>
+              <a:rPr lang="en-US" dirty="0"/>
               <a:t>Properly sets expectations by demonstrating quick POC</a:t>
             </a:r>
           </a:p>
@@ -5971,7 +6102,7 @@
               <a:buChar char="•"/>
             </a:pPr>
             <a:r>
-              <a:rPr lang="en-US" sz="1600" dirty="0"/>
+              <a:rPr lang="en-US" dirty="0"/>
               <a:t>This will also give you an idea about standards we follow through developing an application.</a:t>
             </a:r>
           </a:p>
@@ -6053,7 +6184,7 @@
           <a:p>
             <a:r>
               <a:rPr lang="en-US" sz="1000" dirty="0"/>
-              <a:t>5</a:t>
+              <a:t>6</a:t>
             </a:r>
           </a:p>
         </p:txBody>
@@ -6072,7 +6203,7 @@
         </p:nvSpPr>
         <p:spPr>
           <a:xfrm>
-            <a:off x="938" y="907146"/>
+            <a:off x="938" y="729586"/>
             <a:ext cx="9144000" cy="102870"/>
           </a:xfrm>
           <a:prstGeom prst="rect">
@@ -6198,8 +6329,8 @@
         </p:blipFill>
         <p:spPr>
           <a:xfrm>
-            <a:off x="1740023" y="1482713"/>
-            <a:ext cx="5433133" cy="5238763"/>
+            <a:off x="1740023" y="1287263"/>
+            <a:ext cx="5433133" cy="5434214"/>
           </a:xfrm>
           <a:prstGeom prst="rect">
             <a:avLst/>
@@ -6291,7 +6422,7 @@
           <a:p>
             <a:r>
               <a:rPr lang="en-US" sz="1000" dirty="0"/>
-              <a:t>5</a:t>
+              <a:t>7</a:t>
             </a:r>
           </a:p>
         </p:txBody>
@@ -6310,7 +6441,7 @@
         </p:nvSpPr>
         <p:spPr>
           <a:xfrm>
-            <a:off x="938" y="907146"/>
+            <a:off x="938" y="747342"/>
             <a:ext cx="9144000" cy="102870"/>
           </a:xfrm>
           <a:prstGeom prst="rect">
@@ -6429,7 +6560,7 @@
         <p:spPr>
           <a:xfrm>
             <a:off x="502916" y="1292889"/>
-            <a:ext cx="8034411" cy="2131353"/>
+            <a:ext cx="8034411" cy="2736647"/>
           </a:xfrm>
           <a:prstGeom prst="rect">
             <a:avLst/>
@@ -6453,12 +6584,11 @@
               <a:buChar char="•"/>
             </a:pPr>
             <a:r>
-              <a:rPr lang="en-US" sz="1600" dirty="0">
-                <a:latin typeface="Roboto Light" charset="0"/>
+              <a:rPr lang="en-US" dirty="0">
                 <a:ea typeface="Roboto Light" charset="0"/>
                 <a:cs typeface="Roboto Light" charset="0"/>
               </a:rPr>
-              <a:t>Alexa Dev Console Configuration</a:t>
+              <a:t>Tech Stack</a:t>
             </a:r>
           </a:p>
           <a:p>
@@ -6473,12 +6603,11 @@
               <a:buChar char="•"/>
             </a:pPr>
             <a:r>
-              <a:rPr lang="en-US" sz="1600" dirty="0">
-                <a:latin typeface="Roboto Light" charset="0"/>
+              <a:rPr lang="en-US" dirty="0">
                 <a:ea typeface="Roboto Light" charset="0"/>
                 <a:cs typeface="Roboto Light" charset="0"/>
               </a:rPr>
-              <a:t>GitHub Practices</a:t>
+              <a:t>Alexa Dev Console Configuration</a:t>
             </a:r>
           </a:p>
           <a:p>
@@ -6493,12 +6622,11 @@
               <a:buChar char="•"/>
             </a:pPr>
             <a:r>
-              <a:rPr lang="en-US" sz="1600" dirty="0">
-                <a:latin typeface="Roboto Light" charset="0"/>
+              <a:rPr lang="en-US" dirty="0">
                 <a:ea typeface="Roboto Light" charset="0"/>
                 <a:cs typeface="Roboto Light" charset="0"/>
               </a:rPr>
-              <a:t>Unit Test</a:t>
+              <a:t>GitHub Practices</a:t>
             </a:r>
           </a:p>
           <a:p>
@@ -6513,18 +6641,31 @@
               <a:buChar char="•"/>
             </a:pPr>
             <a:r>
-              <a:rPr lang="en-US" sz="1600" dirty="0">
-                <a:latin typeface="Roboto Light" charset="0"/>
+              <a:rPr lang="en-US" dirty="0">
+                <a:ea typeface="Roboto Light" charset="0"/>
+                <a:cs typeface="Roboto Light" charset="0"/>
+              </a:rPr>
+              <a:t>Unit Test</a:t>
+            </a:r>
+          </a:p>
+          <a:p>
+            <a:pPr marL="687388" lvl="1" indent="-230188">
+              <a:spcBef>
+                <a:spcPts val="800"/>
+              </a:spcBef>
+              <a:spcAft>
+                <a:spcPts val="800"/>
+              </a:spcAft>
+              <a:buFont typeface="Arial" charset="0"/>
+              <a:buChar char="•"/>
+            </a:pPr>
+            <a:r>
+              <a:rPr lang="en-US" dirty="0">
                 <a:ea typeface="Roboto Light" charset="0"/>
                 <a:cs typeface="Roboto Light" charset="0"/>
               </a:rPr>
               <a:t>Deployment Practices</a:t>
             </a:r>
-            <a:endParaRPr lang="en-US" dirty="0">
-              <a:latin typeface="Roboto Light" charset="0"/>
-              <a:ea typeface="Roboto Light" charset="0"/>
-              <a:cs typeface="Roboto Light" charset="0"/>
-            </a:endParaRPr>
           </a:p>
           <a:p>
             <a:pPr marL="171450" indent="-171450">
@@ -7222,13 +7363,13 @@
 
 <file path=customXml/item1.xml><?xml version="1.0" encoding="utf-8"?>
 <Control xmlns="http://schemas.microsoft.com/VisualStudio/2011/storyboarding/control">
-  <Id Name="Branching.BranchRoot" Revision="1" Stencil="Branching" StencilVersion="1.0"/>
+  <Id Name="Branching.CreateNewBranch" Revision="1" Stencil="Branching" StencilVersion="1.0"/>
 </Control>
 </file>
 
 <file path=customXml/item10.xml><?xml version="1.0" encoding="utf-8"?>
 <Control xmlns="http://schemas.microsoft.com/VisualStudio/2011/storyboarding/control">
-  <Id Name="Branching.BranchSegment" Revision="1" Stencil="Branching" StencilVersion="1.0"/>
+  <Id Name="Branching.BranchRoot" Revision="1" Stencil="Branching" StencilVersion="1.0"/>
 </Control>
 </file>
 
@@ -7246,13 +7387,13 @@
 
 <file path=customXml/item13.xml><?xml version="1.0" encoding="utf-8"?>
 <Control xmlns="http://schemas.microsoft.com/VisualStudio/2011/storyboarding/control">
-  <Id Name="Branching.BranchRoot" Revision="1" Stencil="Branching" StencilVersion="1.0"/>
+  <Id Name="Branching.CreateNewBranch" Revision="1" Stencil="Branching" StencilVersion="1.0"/>
 </Control>
 </file>
 
 <file path=customXml/item14.xml><?xml version="1.0" encoding="utf-8"?>
 <Control xmlns="http://schemas.microsoft.com/VisualStudio/2011/storyboarding/control">
-  <Id Name="Branching.BranchRoot" Revision="1" Stencil="Branching" StencilVersion="1.0"/>
+  <Id Name="Branching.ChangeBranch" Revision="1" Stencil="Branching" StencilVersion="1.0"/>
 </Control>
 </file>
 
@@ -7264,7 +7405,7 @@
 
 <file path=customXml/item16.xml><?xml version="1.0" encoding="utf-8"?>
 <Control xmlns="http://schemas.microsoft.com/VisualStudio/2011/storyboarding/control">
-  <Id Name="Branching.BranchRoot" Revision="1" Stencil="Branching" StencilVersion="1.0"/>
+  <Id Name="Branching.ChangeBranch" Revision="1" Stencil="Branching" StencilVersion="1.0"/>
 </Control>
 </file>
 
@@ -7276,19 +7417,19 @@
 
 <file path=customXml/item18.xml><?xml version="1.0" encoding="utf-8"?>
 <Control xmlns="http://schemas.microsoft.com/VisualStudio/2011/storyboarding/control">
-  <Id Name="Branching.CreateNewBranch" Revision="1" Stencil="Branching" StencilVersion="1.0"/>
+  <Id Name="Branching.BranchSegment" Revision="1" Stencil="Branching" StencilVersion="1.0"/>
 </Control>
 </file>
 
 <file path=customXml/item19.xml><?xml version="1.0" encoding="utf-8"?>
 <Control xmlns="http://schemas.microsoft.com/VisualStudio/2011/storyboarding/control">
-  <Id Name="Branching.CreateNewBranch" Revision="1" Stencil="Branching" StencilVersion="1.0"/>
+  <Id Name="Branching.BranchRoot" Revision="1" Stencil="Branching" StencilVersion="1.0"/>
 </Control>
 </file>
 
 <file path=customXml/item2.xml><?xml version="1.0" encoding="utf-8"?>
 <Control xmlns="http://schemas.microsoft.com/VisualStudio/2011/storyboarding/control">
-  <Id Name="Branching.BranchSegment" Revision="1" Stencil="Branching" StencilVersion="1.0"/>
+  <Id Name="Branching.BranchRoot" Revision="1" Stencil="Branching" StencilVersion="1.0"/>
 </Control>
 </file>
 
@@ -7300,7 +7441,7 @@
 
 <file path=customXml/item4.xml><?xml version="1.0" encoding="utf-8"?>
 <Control xmlns="http://schemas.microsoft.com/VisualStudio/2011/storyboarding/control">
-  <Id Name="Branching.CreateNewBranch" Revision="1" Stencil="Branching" StencilVersion="1.0"/>
+  <Id Name="Branching.BranchSegment" Revision="1" Stencil="Branching" StencilVersion="1.0"/>
 </Control>
 </file>
 
@@ -7312,13 +7453,13 @@
 
 <file path=customXml/item6.xml><?xml version="1.0" encoding="utf-8"?>
 <Control xmlns="http://schemas.microsoft.com/VisualStudio/2011/storyboarding/control">
-  <Id Name="Branching.ChangeBranch" Revision="1" Stencil="Branching" StencilVersion="1.0"/>
+  <Id Name="Branching.CreateNewBranch" Revision="1" Stencil="Branching" StencilVersion="1.0"/>
 </Control>
 </file>
 
 <file path=customXml/item7.xml><?xml version="1.0" encoding="utf-8"?>
 <Control xmlns="http://schemas.microsoft.com/VisualStudio/2011/storyboarding/control">
-  <Id Name="Branching.ChangeBranch" Revision="1" Stencil="Branching" StencilVersion="1.0"/>
+  <Id Name="Branching.CreateNewBranch" Revision="1" Stencil="Branching" StencilVersion="1.0"/>
 </Control>
 </file>
 
@@ -7330,12 +7471,12 @@
 
 <file path=customXml/item9.xml><?xml version="1.0" encoding="utf-8"?>
 <Control xmlns="http://schemas.microsoft.com/VisualStudio/2011/storyboarding/control">
-  <Id Name="Branching.CreateNewBranch" Revision="1" Stencil="Branching" StencilVersion="1.0"/>
+  <Id Name="Branching.BranchRoot" Revision="1" Stencil="Branching" StencilVersion="1.0"/>
 </Control>
 </file>
 
 <file path=customXml/itemProps1.xml><?xml version="1.0" encoding="utf-8"?>
-<ds:datastoreItem xmlns:ds="http://schemas.openxmlformats.org/officeDocument/2006/customXml" ds:itemID="{1CF5EA71-444F-EC43-AC5E-4D0C5518D042}">
+<ds:datastoreItem xmlns:ds="http://schemas.openxmlformats.org/officeDocument/2006/customXml" ds:itemID="{B2B9E217-C1E5-2E41-BC05-F274265947FB}">
   <ds:schemaRefs>
     <ds:schemaRef ds:uri="http://schemas.microsoft.com/VisualStudio/2011/storyboarding/control"/>
   </ds:schemaRefs>
@@ -7343,7 +7484,7 @@
 </file>
 
 <file path=customXml/itemProps10.xml><?xml version="1.0" encoding="utf-8"?>
-<ds:datastoreItem xmlns:ds="http://schemas.openxmlformats.org/officeDocument/2006/customXml" ds:itemID="{3F64F701-872F-4046-BE01-70E30607719D}">
+<ds:datastoreItem xmlns:ds="http://schemas.openxmlformats.org/officeDocument/2006/customXml" ds:itemID="{9B437CC4-5B02-2B4E-85E0-9926B3137F98}">
   <ds:schemaRefs>
     <ds:schemaRef ds:uri="http://schemas.microsoft.com/VisualStudio/2011/storyboarding/control"/>
   </ds:schemaRefs>
@@ -7367,7 +7508,7 @@
 </file>
 
 <file path=customXml/itemProps13.xml><?xml version="1.0" encoding="utf-8"?>
-<ds:datastoreItem xmlns:ds="http://schemas.openxmlformats.org/officeDocument/2006/customXml" ds:itemID="{0241A040-3F64-2F42-8503-53A95AC66E0F}">
+<ds:datastoreItem xmlns:ds="http://schemas.openxmlformats.org/officeDocument/2006/customXml" ds:itemID="{3042D9FB-6184-724E-84E7-F1C00C29388E}">
   <ds:schemaRefs>
     <ds:schemaRef ds:uri="http://schemas.microsoft.com/VisualStudio/2011/storyboarding/control"/>
   </ds:schemaRefs>
@@ -7375,7 +7516,7 @@
 </file>
 
 <file path=customXml/itemProps14.xml><?xml version="1.0" encoding="utf-8"?>
-<ds:datastoreItem xmlns:ds="http://schemas.openxmlformats.org/officeDocument/2006/customXml" ds:itemID="{35DB2A1A-DE09-6641-98A8-2228730A6FAF}">
+<ds:datastoreItem xmlns:ds="http://schemas.openxmlformats.org/officeDocument/2006/customXml" ds:itemID="{C5811834-D739-BA47-9257-94A8AE747293}">
   <ds:schemaRefs>
     <ds:schemaRef ds:uri="http://schemas.microsoft.com/VisualStudio/2011/storyboarding/control"/>
   </ds:schemaRefs>
@@ -7383,7 +7524,7 @@
 </file>
 
 <file path=customXml/itemProps15.xml><?xml version="1.0" encoding="utf-8"?>
-<ds:datastoreItem xmlns:ds="http://schemas.openxmlformats.org/officeDocument/2006/customXml" ds:itemID="{B2B9E217-C1E5-2E41-BC05-F274265947FB}">
+<ds:datastoreItem xmlns:ds="http://schemas.openxmlformats.org/officeDocument/2006/customXml" ds:itemID="{72256308-FCD5-A245-89AD-F61C0D9052F4}">
   <ds:schemaRefs>
     <ds:schemaRef ds:uri="http://schemas.microsoft.com/VisualStudio/2011/storyboarding/control"/>
   </ds:schemaRefs>
@@ -7391,6 +7532,30 @@
 </file>
 
 <file path=customXml/itemProps16.xml><?xml version="1.0" encoding="utf-8"?>
+<ds:datastoreItem xmlns:ds="http://schemas.openxmlformats.org/officeDocument/2006/customXml" ds:itemID="{E8776835-879E-4E4F-B75A-5A4A42D94A4A}">
+  <ds:schemaRefs>
+    <ds:schemaRef ds:uri="http://schemas.microsoft.com/VisualStudio/2011/storyboarding/control"/>
+  </ds:schemaRefs>
+</ds:datastoreItem>
+</file>
+
+<file path=customXml/itemProps17.xml><?xml version="1.0" encoding="utf-8"?>
+<ds:datastoreItem xmlns:ds="http://schemas.openxmlformats.org/officeDocument/2006/customXml" ds:itemID="{1CF5EA71-444F-EC43-AC5E-4D0C5518D042}">
+  <ds:schemaRefs>
+    <ds:schemaRef ds:uri="http://schemas.microsoft.com/VisualStudio/2011/storyboarding/control"/>
+  </ds:schemaRefs>
+</ds:datastoreItem>
+</file>
+
+<file path=customXml/itemProps18.xml><?xml version="1.0" encoding="utf-8"?>
+<ds:datastoreItem xmlns:ds="http://schemas.openxmlformats.org/officeDocument/2006/customXml" ds:itemID="{3F64F701-872F-4046-BE01-70E30607719D}">
+  <ds:schemaRefs>
+    <ds:schemaRef ds:uri="http://schemas.microsoft.com/VisualStudio/2011/storyboarding/control"/>
+  </ds:schemaRefs>
+</ds:datastoreItem>
+</file>
+
+<file path=customXml/itemProps19.xml><?xml version="1.0" encoding="utf-8"?>
 <ds:datastoreItem xmlns:ds="http://schemas.openxmlformats.org/officeDocument/2006/customXml" ds:itemID="{D88D8507-7217-E844-B62D-B441015327DC}">
   <ds:schemaRefs>
     <ds:schemaRef ds:uri="http://schemas.microsoft.com/VisualStudio/2011/storyboarding/control"/>
@@ -7398,32 +7563,8 @@
 </ds:datastoreItem>
 </file>
 
-<file path=customXml/itemProps17.xml><?xml version="1.0" encoding="utf-8"?>
-<ds:datastoreItem xmlns:ds="http://schemas.openxmlformats.org/officeDocument/2006/customXml" ds:itemID="{9B437CC4-5B02-2B4E-85E0-9926B3137F98}">
-  <ds:schemaRefs>
-    <ds:schemaRef ds:uri="http://schemas.microsoft.com/VisualStudio/2011/storyboarding/control"/>
-  </ds:schemaRefs>
-</ds:datastoreItem>
-</file>
-
-<file path=customXml/itemProps18.xml><?xml version="1.0" encoding="utf-8"?>
-<ds:datastoreItem xmlns:ds="http://schemas.openxmlformats.org/officeDocument/2006/customXml" ds:itemID="{1038830E-23D8-7540-B829-A00B3678BC15}">
-  <ds:schemaRefs>
-    <ds:schemaRef ds:uri="http://schemas.microsoft.com/VisualStudio/2011/storyboarding/control"/>
-  </ds:schemaRefs>
-</ds:datastoreItem>
-</file>
-
-<file path=customXml/itemProps19.xml><?xml version="1.0" encoding="utf-8"?>
-<ds:datastoreItem xmlns:ds="http://schemas.openxmlformats.org/officeDocument/2006/customXml" ds:itemID="{3042D9FB-6184-724E-84E7-F1C00C29388E}">
-  <ds:schemaRefs>
-    <ds:schemaRef ds:uri="http://schemas.microsoft.com/VisualStudio/2011/storyboarding/control"/>
-  </ds:schemaRefs>
-</ds:datastoreItem>
-</file>
-
 <file path=customXml/itemProps2.xml><?xml version="1.0" encoding="utf-8"?>
-<ds:datastoreItem xmlns:ds="http://schemas.openxmlformats.org/officeDocument/2006/customXml" ds:itemID="{CE81BD10-87C4-4D41-87D3-66ECDD73FF88}">
+<ds:datastoreItem xmlns:ds="http://schemas.openxmlformats.org/officeDocument/2006/customXml" ds:itemID="{35DB2A1A-DE09-6641-98A8-2228730A6FAF}">
   <ds:schemaRefs>
     <ds:schemaRef ds:uri="http://schemas.microsoft.com/VisualStudio/2011/storyboarding/control"/>
   </ds:schemaRefs>
@@ -7439,7 +7580,7 @@
 </file>
 
 <file path=customXml/itemProps4.xml><?xml version="1.0" encoding="utf-8"?>
-<ds:datastoreItem xmlns:ds="http://schemas.openxmlformats.org/officeDocument/2006/customXml" ds:itemID="{E4233600-56BB-5C40-8326-3D73DE5A9FE7}">
+<ds:datastoreItem xmlns:ds="http://schemas.openxmlformats.org/officeDocument/2006/customXml" ds:itemID="{CE81BD10-87C4-4D41-87D3-66ECDD73FF88}">
   <ds:schemaRefs>
     <ds:schemaRef ds:uri="http://schemas.microsoft.com/VisualStudio/2011/storyboarding/control"/>
   </ds:schemaRefs>
@@ -7455,7 +7596,7 @@
 </file>
 
 <file path=customXml/itemProps6.xml><?xml version="1.0" encoding="utf-8"?>
-<ds:datastoreItem xmlns:ds="http://schemas.openxmlformats.org/officeDocument/2006/customXml" ds:itemID="{C5811834-D739-BA47-9257-94A8AE747293}">
+<ds:datastoreItem xmlns:ds="http://schemas.openxmlformats.org/officeDocument/2006/customXml" ds:itemID="{529A9B8C-4983-D84F-993F-DDA8D1402993}">
   <ds:schemaRefs>
     <ds:schemaRef ds:uri="http://schemas.microsoft.com/VisualStudio/2011/storyboarding/control"/>
   </ds:schemaRefs>
@@ -7463,7 +7604,7 @@
 </file>
 
 <file path=customXml/itemProps7.xml><?xml version="1.0" encoding="utf-8"?>
-<ds:datastoreItem xmlns:ds="http://schemas.openxmlformats.org/officeDocument/2006/customXml" ds:itemID="{E8776835-879E-4E4F-B75A-5A4A42D94A4A}">
+<ds:datastoreItem xmlns:ds="http://schemas.openxmlformats.org/officeDocument/2006/customXml" ds:itemID="{1038830E-23D8-7540-B829-A00B3678BC15}">
   <ds:schemaRefs>
     <ds:schemaRef ds:uri="http://schemas.microsoft.com/VisualStudio/2011/storyboarding/control"/>
   </ds:schemaRefs>
@@ -7471,7 +7612,7 @@
 </file>
 
 <file path=customXml/itemProps8.xml><?xml version="1.0" encoding="utf-8"?>
-<ds:datastoreItem xmlns:ds="http://schemas.openxmlformats.org/officeDocument/2006/customXml" ds:itemID="{72256308-FCD5-A245-89AD-F61C0D9052F4}">
+<ds:datastoreItem xmlns:ds="http://schemas.openxmlformats.org/officeDocument/2006/customXml" ds:itemID="{E4233600-56BB-5C40-8326-3D73DE5A9FE7}">
   <ds:schemaRefs>
     <ds:schemaRef ds:uri="http://schemas.microsoft.com/VisualStudio/2011/storyboarding/control"/>
   </ds:schemaRefs>
@@ -7479,7 +7620,7 @@
 </file>
 
 <file path=customXml/itemProps9.xml><?xml version="1.0" encoding="utf-8"?>
-<ds:datastoreItem xmlns:ds="http://schemas.openxmlformats.org/officeDocument/2006/customXml" ds:itemID="{529A9B8C-4983-D84F-993F-DDA8D1402993}">
+<ds:datastoreItem xmlns:ds="http://schemas.openxmlformats.org/officeDocument/2006/customXml" ds:itemID="{0241A040-3F64-2F42-8503-53A95AC66E0F}">
   <ds:schemaRefs>
     <ds:schemaRef ds:uri="http://schemas.microsoft.com/VisualStudio/2011/storyboarding/control"/>
   </ds:schemaRefs>
